--- a/slides/0x100/0x107 - Application Specific - IoT.pptx
+++ b/slides/0x100/0x107 - Application Specific - IoT.pptx
@@ -301,7 +301,7 @@
           <a:p>
             <a:fld id="{284D57D4-96EB-485F-885D-A03F9F5EA4CF}" type="datetimeFigureOut">
               <a:rPr lang="en-CA" smtClean="0"/>
-              <a:t>2020-09-29</a:t>
+              <a:t>2023-09-21</a:t>
             </a:fld>
             <a:endParaRPr lang="en-CA"/>
           </a:p>
@@ -501,7 +501,7 @@
           <a:p>
             <a:fld id="{284D57D4-96EB-485F-885D-A03F9F5EA4CF}" type="datetimeFigureOut">
               <a:rPr lang="en-CA" smtClean="0"/>
-              <a:t>2020-09-29</a:t>
+              <a:t>2023-09-21</a:t>
             </a:fld>
             <a:endParaRPr lang="en-CA"/>
           </a:p>
@@ -711,7 +711,7 @@
           <a:p>
             <a:fld id="{284D57D4-96EB-485F-885D-A03F9F5EA4CF}" type="datetimeFigureOut">
               <a:rPr lang="en-CA" smtClean="0"/>
-              <a:t>2020-09-29</a:t>
+              <a:t>2023-09-21</a:t>
             </a:fld>
             <a:endParaRPr lang="en-CA"/>
           </a:p>
@@ -911,7 +911,7 @@
           <a:p>
             <a:fld id="{284D57D4-96EB-485F-885D-A03F9F5EA4CF}" type="datetimeFigureOut">
               <a:rPr lang="en-CA" smtClean="0"/>
-              <a:t>2020-09-29</a:t>
+              <a:t>2023-09-21</a:t>
             </a:fld>
             <a:endParaRPr lang="en-CA"/>
           </a:p>
@@ -1187,7 +1187,7 @@
           <a:p>
             <a:fld id="{284D57D4-96EB-485F-885D-A03F9F5EA4CF}" type="datetimeFigureOut">
               <a:rPr lang="en-CA" smtClean="0"/>
-              <a:t>2020-09-29</a:t>
+              <a:t>2023-09-21</a:t>
             </a:fld>
             <a:endParaRPr lang="en-CA"/>
           </a:p>
@@ -1455,7 +1455,7 @@
           <a:p>
             <a:fld id="{284D57D4-96EB-485F-885D-A03F9F5EA4CF}" type="datetimeFigureOut">
               <a:rPr lang="en-CA" smtClean="0"/>
-              <a:t>2020-09-29</a:t>
+              <a:t>2023-09-21</a:t>
             </a:fld>
             <a:endParaRPr lang="en-CA"/>
           </a:p>
@@ -1870,7 +1870,7 @@
           <a:p>
             <a:fld id="{284D57D4-96EB-485F-885D-A03F9F5EA4CF}" type="datetimeFigureOut">
               <a:rPr lang="en-CA" smtClean="0"/>
-              <a:t>2020-09-29</a:t>
+              <a:t>2023-09-21</a:t>
             </a:fld>
             <a:endParaRPr lang="en-CA"/>
           </a:p>
@@ -2012,7 +2012,7 @@
           <a:p>
             <a:fld id="{284D57D4-96EB-485F-885D-A03F9F5EA4CF}" type="datetimeFigureOut">
               <a:rPr lang="en-CA" smtClean="0"/>
-              <a:t>2020-09-29</a:t>
+              <a:t>2023-09-21</a:t>
             </a:fld>
             <a:endParaRPr lang="en-CA"/>
           </a:p>
@@ -2125,7 +2125,7 @@
           <a:p>
             <a:fld id="{284D57D4-96EB-485F-885D-A03F9F5EA4CF}" type="datetimeFigureOut">
               <a:rPr lang="en-CA" smtClean="0"/>
-              <a:t>2020-09-29</a:t>
+              <a:t>2023-09-21</a:t>
             </a:fld>
             <a:endParaRPr lang="en-CA"/>
           </a:p>
@@ -2438,7 +2438,7 @@
           <a:p>
             <a:fld id="{284D57D4-96EB-485F-885D-A03F9F5EA4CF}" type="datetimeFigureOut">
               <a:rPr lang="en-CA" smtClean="0"/>
-              <a:t>2020-09-29</a:t>
+              <a:t>2023-09-21</a:t>
             </a:fld>
             <a:endParaRPr lang="en-CA"/>
           </a:p>
@@ -2727,7 +2727,7 @@
           <a:p>
             <a:fld id="{284D57D4-96EB-485F-885D-A03F9F5EA4CF}" type="datetimeFigureOut">
               <a:rPr lang="en-CA" smtClean="0"/>
-              <a:t>2020-09-29</a:t>
+              <a:t>2023-09-21</a:t>
             </a:fld>
             <a:endParaRPr lang="en-CA"/>
           </a:p>
@@ -2970,7 +2970,7 @@
           <a:p>
             <a:fld id="{284D57D4-96EB-485F-885D-A03F9F5EA4CF}" type="datetimeFigureOut">
               <a:rPr lang="en-CA" smtClean="0"/>
-              <a:t>2020-09-29</a:t>
+              <a:t>2023-09-21</a:t>
             </a:fld>
             <a:endParaRPr lang="en-CA"/>
           </a:p>
@@ -3465,8 +3465,8 @@
           </a:p>
         </p:txBody>
       </p:sp>
-      <mc:AlternateContent xmlns:mc="http://schemas.openxmlformats.org/markup-compatibility/2006">
-        <mc:Choice xmlns:p14="http://schemas.microsoft.com/office/powerpoint/2010/main" Requires="p14">
+      <mc:AlternateContent xmlns:mc="http://schemas.openxmlformats.org/markup-compatibility/2006" xmlns:p14="http://schemas.microsoft.com/office/powerpoint/2010/main">
+        <mc:Choice Requires="p14">
           <p:contentPart p14:bwMode="auto" r:id="rId2">
             <p14:nvContentPartPr>
               <p14:cNvPr id="4" name="Ink 3">
@@ -3485,7 +3485,7 @@
             </p14:xfrm>
           </p:contentPart>
         </mc:Choice>
-        <mc:Fallback>
+        <mc:Fallback xmlns="">
           <p:pic>
             <p:nvPicPr>
               <p:cNvPr id="4" name="Ink 3">
@@ -4790,7 +4790,7 @@
           <a:p>
             <a:r>
               <a:rPr lang="en-CA" sz="3200" dirty="0"/>
-              <a:t>Either no operating system or rea-time operating system.</a:t>
+              <a:t>Either no operating system or real-time operating system.</a:t>
             </a:r>
           </a:p>
           <a:p>
